--- a/ENSE 470 Milestone 2.pptx
+++ b/ENSE 470 Milestone 2.pptx
@@ -8,9 +8,11 @@
     <p:sldId id="256" r:id="rId2"/>
     <p:sldId id="258" r:id="rId3"/>
     <p:sldId id="257" r:id="rId4"/>
-    <p:sldId id="260" r:id="rId5"/>
-    <p:sldId id="259" r:id="rId6"/>
-    <p:sldId id="261" r:id="rId7"/>
+    <p:sldId id="262" r:id="rId5"/>
+    <p:sldId id="263" r:id="rId6"/>
+    <p:sldId id="264" r:id="rId7"/>
+    <p:sldId id="260" r:id="rId8"/>
+    <p:sldId id="261" r:id="rId9"/>
   </p:sldIdLst>
   <p:sldSz cx="12192000" cy="6858000"/>
   <p:notesSz cx="6858000" cy="9144000"/>
@@ -109,6 +111,11 @@
       </a:defRPr>
     </a:lvl9pPr>
   </p:defaultTextStyle>
+  <p:extLst>
+    <p:ext uri="{EFAFB233-063F-42B5-8137-9DF3F51BA10A}">
+      <p15:sldGuideLst xmlns:p15="http://schemas.microsoft.com/office/powerpoint/2012/main"/>
+    </p:ext>
+  </p:extLst>
 </p:presentation>
 </file>
 
@@ -4392,7 +4399,7 @@
           <a:p>
             <a:fld id="{0A11B395-7D07-4B8D-B5CA-22340B359237}" type="datetimeFigureOut">
               <a:rPr lang="en-CA" smtClean="0"/>
-              <a:t>2018-01-23</a:t>
+              <a:t>2018-01-24</a:t>
             </a:fld>
             <a:endParaRPr lang="en-CA"/>
           </a:p>
@@ -4659,7 +4666,7 @@
           <a:p>
             <a:fld id="{0A11B395-7D07-4B8D-B5CA-22340B359237}" type="datetimeFigureOut">
               <a:rPr lang="en-CA" smtClean="0"/>
-              <a:t>2018-01-23</a:t>
+              <a:t>2018-01-24</a:t>
             </a:fld>
             <a:endParaRPr lang="en-CA"/>
           </a:p>
@@ -4855,7 +4862,7 @@
           <a:p>
             <a:fld id="{0A11B395-7D07-4B8D-B5CA-22340B359237}" type="datetimeFigureOut">
               <a:rPr lang="en-CA" smtClean="0"/>
-              <a:t>2018-01-23</a:t>
+              <a:t>2018-01-24</a:t>
             </a:fld>
             <a:endParaRPr lang="en-CA"/>
           </a:p>
@@ -5118,7 +5125,7 @@
           <a:p>
             <a:fld id="{0A11B395-7D07-4B8D-B5CA-22340B359237}" type="datetimeFigureOut">
               <a:rPr lang="en-CA" smtClean="0"/>
-              <a:t>2018-01-23</a:t>
+              <a:t>2018-01-24</a:t>
             </a:fld>
             <a:endParaRPr lang="en-CA"/>
           </a:p>
@@ -5552,7 +5559,7 @@
           <a:p>
             <a:fld id="{0A11B395-7D07-4B8D-B5CA-22340B359237}" type="datetimeFigureOut">
               <a:rPr lang="en-CA" smtClean="0"/>
-              <a:t>2018-01-23</a:t>
+              <a:t>2018-01-24</a:t>
             </a:fld>
             <a:endParaRPr lang="en-CA"/>
           </a:p>
@@ -6098,7 +6105,7 @@
           <a:p>
             <a:fld id="{0A11B395-7D07-4B8D-B5CA-22340B359237}" type="datetimeFigureOut">
               <a:rPr lang="en-CA" smtClean="0"/>
-              <a:t>2018-01-23</a:t>
+              <a:t>2018-01-24</a:t>
             </a:fld>
             <a:endParaRPr lang="en-CA"/>
           </a:p>
@@ -6818,7 +6825,7 @@
           <a:p>
             <a:fld id="{0A11B395-7D07-4B8D-B5CA-22340B359237}" type="datetimeFigureOut">
               <a:rPr lang="en-CA" smtClean="0"/>
-              <a:t>2018-01-23</a:t>
+              <a:t>2018-01-24</a:t>
             </a:fld>
             <a:endParaRPr lang="en-CA"/>
           </a:p>
@@ -6988,7 +6995,7 @@
           <a:p>
             <a:fld id="{0A11B395-7D07-4B8D-B5CA-22340B359237}" type="datetimeFigureOut">
               <a:rPr lang="en-CA" smtClean="0"/>
-              <a:t>2018-01-23</a:t>
+              <a:t>2018-01-24</a:t>
             </a:fld>
             <a:endParaRPr lang="en-CA"/>
           </a:p>
@@ -7168,7 +7175,7 @@
           <a:p>
             <a:fld id="{0A11B395-7D07-4B8D-B5CA-22340B359237}" type="datetimeFigureOut">
               <a:rPr lang="en-CA" smtClean="0"/>
-              <a:t>2018-01-23</a:t>
+              <a:t>2018-01-24</a:t>
             </a:fld>
             <a:endParaRPr lang="en-CA"/>
           </a:p>
@@ -7338,7 +7345,7 @@
           <a:p>
             <a:fld id="{0A11B395-7D07-4B8D-B5CA-22340B359237}" type="datetimeFigureOut">
               <a:rPr lang="en-CA" smtClean="0"/>
-              <a:t>2018-01-23</a:t>
+              <a:t>2018-01-24</a:t>
             </a:fld>
             <a:endParaRPr lang="en-CA"/>
           </a:p>
@@ -7588,7 +7595,7 @@
           <a:p>
             <a:fld id="{0A11B395-7D07-4B8D-B5CA-22340B359237}" type="datetimeFigureOut">
               <a:rPr lang="en-CA" smtClean="0"/>
-              <a:t>2018-01-23</a:t>
+              <a:t>2018-01-24</a:t>
             </a:fld>
             <a:endParaRPr lang="en-CA"/>
           </a:p>
@@ -7820,7 +7827,7 @@
           <a:p>
             <a:fld id="{0A11B395-7D07-4B8D-B5CA-22340B359237}" type="datetimeFigureOut">
               <a:rPr lang="en-CA" smtClean="0"/>
-              <a:t>2018-01-23</a:t>
+              <a:t>2018-01-24</a:t>
             </a:fld>
             <a:endParaRPr lang="en-CA"/>
           </a:p>
@@ -8201,7 +8208,7 @@
           <a:p>
             <a:fld id="{0A11B395-7D07-4B8D-B5CA-22340B359237}" type="datetimeFigureOut">
               <a:rPr lang="en-CA" smtClean="0"/>
-              <a:t>2018-01-23</a:t>
+              <a:t>2018-01-24</a:t>
             </a:fld>
             <a:endParaRPr lang="en-CA"/>
           </a:p>
@@ -8319,7 +8326,7 @@
           <a:p>
             <a:fld id="{0A11B395-7D07-4B8D-B5CA-22340B359237}" type="datetimeFigureOut">
               <a:rPr lang="en-CA" smtClean="0"/>
-              <a:t>2018-01-23</a:t>
+              <a:t>2018-01-24</a:t>
             </a:fld>
             <a:endParaRPr lang="en-CA"/>
           </a:p>
@@ -8414,7 +8421,7 @@
           <a:p>
             <a:fld id="{0A11B395-7D07-4B8D-B5CA-22340B359237}" type="datetimeFigureOut">
               <a:rPr lang="en-CA" smtClean="0"/>
-              <a:t>2018-01-23</a:t>
+              <a:t>2018-01-24</a:t>
             </a:fld>
             <a:endParaRPr lang="en-CA"/>
           </a:p>
@@ -8663,7 +8670,7 @@
           <a:p>
             <a:fld id="{0A11B395-7D07-4B8D-B5CA-22340B359237}" type="datetimeFigureOut">
               <a:rPr lang="en-CA" smtClean="0"/>
-              <a:t>2018-01-23</a:t>
+              <a:t>2018-01-24</a:t>
             </a:fld>
             <a:endParaRPr lang="en-CA"/>
           </a:p>
@@ -8943,7 +8950,7 @@
           <a:p>
             <a:fld id="{0A11B395-7D07-4B8D-B5CA-22340B359237}" type="datetimeFigureOut">
               <a:rPr lang="en-CA" smtClean="0"/>
-              <a:t>2018-01-23</a:t>
+              <a:t>2018-01-24</a:t>
             </a:fld>
             <a:endParaRPr lang="en-CA"/>
           </a:p>
@@ -12020,7 +12027,7 @@
           <a:p>
             <a:fld id="{0A11B395-7D07-4B8D-B5CA-22340B359237}" type="datetimeFigureOut">
               <a:rPr lang="en-CA" smtClean="0"/>
-              <a:t>2018-01-23</a:t>
+              <a:t>2018-01-24</a:t>
             </a:fld>
             <a:endParaRPr lang="en-CA"/>
           </a:p>
@@ -12714,7 +12721,7 @@
           <a:p>
             <a:r>
               <a:rPr lang="en-CA" dirty="0"/>
-              <a:t>Idea Sheets</a:t>
+              <a:t>Idea Sheet 1</a:t>
             </a:r>
           </a:p>
         </p:txBody>
@@ -12786,7 +12793,7 @@
           <p:cNvPr id="2" name="Title 1">
             <a:extLst>
               <a:ext uri="{FF2B5EF4-FFF2-40B4-BE49-F238E27FC236}">
-                <a16:creationId xmlns:a16="http://schemas.microsoft.com/office/drawing/2014/main" id="{E2D009DD-6196-40AE-B97F-0B552D594AD2}"/>
+                <a16:creationId xmlns:a16="http://schemas.microsoft.com/office/drawing/2014/main" id="{DDEE1308-015A-47E3-BE3B-280917DDCF20}"/>
               </a:ext>
             </a:extLst>
           </p:cNvPr>
@@ -12803,10 +12810,9 @@
           <a:lstStyle/>
           <a:p>
             <a:r>
-              <a:rPr lang="en-US" altLang="en-US" dirty="0"/>
-              <a:t>Future state VSM</a:t>
+              <a:rPr lang="en-CA" dirty="0"/>
+              <a:t>Idea Sheet 2</a:t>
             </a:r>
-            <a:endParaRPr lang="en-CA" dirty="0"/>
           </a:p>
         </p:txBody>
       </p:sp>
@@ -12815,7 +12821,7 @@
           <p:cNvPr id="3" name="Content Placeholder 2">
             <a:extLst>
               <a:ext uri="{FF2B5EF4-FFF2-40B4-BE49-F238E27FC236}">
-                <a16:creationId xmlns:a16="http://schemas.microsoft.com/office/drawing/2014/main" id="{5E8A01EB-2E55-4294-B6AB-BA9FE4AE1E94}"/>
+                <a16:creationId xmlns:a16="http://schemas.microsoft.com/office/drawing/2014/main" id="{B1287823-76CA-46F0-9361-92583FE4C26B}"/>
               </a:ext>
             </a:extLst>
           </p:cNvPr>
@@ -12831,33 +12837,14 @@
           <a:bodyPr/>
           <a:lstStyle/>
           <a:p>
-            <a:r>
-              <a:rPr lang="en-US" altLang="en-US" dirty="0"/>
-              <a:t>Display your completed future state VSM</a:t>
-            </a:r>
-          </a:p>
-          <a:p>
-            <a:r>
-              <a:rPr lang="en-US" altLang="en-US" dirty="0"/>
-              <a:t>Emphasize the differences from the current state VSM</a:t>
-            </a:r>
-          </a:p>
-          <a:p>
-            <a:r>
-              <a:rPr lang="en-US" altLang="en-US" dirty="0"/>
-              <a:t>Share reasons for choosing areas to improve</a:t>
-            </a:r>
-            <a:endParaRPr lang="en-CA" altLang="en-US" dirty="0"/>
-          </a:p>
-          <a:p>
-            <a:endParaRPr lang="en-CA" dirty="0"/>
+            <a:endParaRPr lang="en-CA"/>
           </a:p>
         </p:txBody>
       </p:sp>
     </p:spTree>
     <p:extLst>
       <p:ext uri="{BB962C8B-B14F-4D97-AF65-F5344CB8AC3E}">
-        <p14:creationId xmlns:p14="http://schemas.microsoft.com/office/powerpoint/2010/main" val="2231105079"/>
+        <p14:creationId xmlns:p14="http://schemas.microsoft.com/office/powerpoint/2010/main" val="3217305821"/>
       </p:ext>
     </p:extLst>
   </p:cSld>
@@ -12889,7 +12876,7 @@
           <p:cNvPr id="2" name="Title 1">
             <a:extLst>
               <a:ext uri="{FF2B5EF4-FFF2-40B4-BE49-F238E27FC236}">
-                <a16:creationId xmlns:a16="http://schemas.microsoft.com/office/drawing/2014/main" id="{5BE91BAB-C48A-49CB-AD55-718A53D1CE67}"/>
+                <a16:creationId xmlns:a16="http://schemas.microsoft.com/office/drawing/2014/main" id="{83727932-7442-408A-8632-82934182B1E0}"/>
               </a:ext>
             </a:extLst>
           </p:cNvPr>
@@ -12906,10 +12893,9 @@
           <a:lstStyle/>
           <a:p>
             <a:r>
-              <a:rPr lang="en-US" altLang="en-US" dirty="0"/>
-              <a:t>Misc.</a:t>
+              <a:rPr lang="en-CA" dirty="0"/>
+              <a:t>Idea sheet 3</a:t>
             </a:r>
-            <a:endParaRPr lang="en-CA" dirty="0"/>
           </a:p>
         </p:txBody>
       </p:sp>
@@ -12918,7 +12904,7 @@
           <p:cNvPr id="3" name="Content Placeholder 2">
             <a:extLst>
               <a:ext uri="{FF2B5EF4-FFF2-40B4-BE49-F238E27FC236}">
-                <a16:creationId xmlns:a16="http://schemas.microsoft.com/office/drawing/2014/main" id="{13D28625-BAA3-429C-BCC1-3DCA81DEB462}"/>
+                <a16:creationId xmlns:a16="http://schemas.microsoft.com/office/drawing/2014/main" id="{E3C62968-80CB-4348-862D-1F9F1DD7D112}"/>
               </a:ext>
             </a:extLst>
           </p:cNvPr>
@@ -12934,21 +12920,14 @@
           <a:bodyPr/>
           <a:lstStyle/>
           <a:p>
-            <a:r>
-              <a:rPr lang="en-US" altLang="en-US" dirty="0"/>
-              <a:t>Add other insights if you like but remember, your group’s report-out must be kept within 5 minutes </a:t>
-            </a:r>
-            <a:endParaRPr lang="en-CA" altLang="en-US" dirty="0"/>
-          </a:p>
-          <a:p>
-            <a:endParaRPr lang="en-CA" dirty="0"/>
+            <a:endParaRPr lang="en-CA"/>
           </a:p>
         </p:txBody>
       </p:sp>
     </p:spTree>
     <p:extLst>
       <p:ext uri="{BB962C8B-B14F-4D97-AF65-F5344CB8AC3E}">
-        <p14:creationId xmlns:p14="http://schemas.microsoft.com/office/powerpoint/2010/main" val="2190776916"/>
+        <p14:creationId xmlns:p14="http://schemas.microsoft.com/office/powerpoint/2010/main" val="4017500249"/>
       </p:ext>
     </p:extLst>
   </p:cSld>
@@ -12959,6 +12938,192 @@
 </file>
 
 <file path=ppt/slides/slide6.xml><?xml version="1.0" encoding="utf-8"?>
+<p:sld xmlns:a="http://schemas.openxmlformats.org/drawingml/2006/main" xmlns:r="http://schemas.openxmlformats.org/officeDocument/2006/relationships" xmlns:p="http://schemas.openxmlformats.org/presentationml/2006/main">
+  <p:cSld>
+    <p:spTree>
+      <p:nvGrpSpPr>
+        <p:cNvPr id="1" name=""/>
+        <p:cNvGrpSpPr/>
+        <p:nvPr/>
+      </p:nvGrpSpPr>
+      <p:grpSpPr>
+        <a:xfrm>
+          <a:off x="0" y="0"/>
+          <a:ext cx="0" cy="0"/>
+          <a:chOff x="0" y="0"/>
+          <a:chExt cx="0" cy="0"/>
+        </a:xfrm>
+      </p:grpSpPr>
+      <p:sp>
+        <p:nvSpPr>
+          <p:cNvPr id="2" name="Title 1">
+            <a:extLst>
+              <a:ext uri="{FF2B5EF4-FFF2-40B4-BE49-F238E27FC236}">
+                <a16:creationId xmlns:a16="http://schemas.microsoft.com/office/drawing/2014/main" id="{789CED17-FDDE-42DC-B976-E74ECF1B4201}"/>
+              </a:ext>
+            </a:extLst>
+          </p:cNvPr>
+          <p:cNvSpPr>
+            <a:spLocks noGrp="1"/>
+          </p:cNvSpPr>
+          <p:nvPr>
+            <p:ph type="title"/>
+          </p:nvPr>
+        </p:nvSpPr>
+        <p:spPr/>
+        <p:txBody>
+          <a:bodyPr/>
+          <a:lstStyle/>
+          <a:p>
+            <a:r>
+              <a:rPr lang="en-CA" dirty="0"/>
+              <a:t>Idea sheet 4</a:t>
+            </a:r>
+          </a:p>
+        </p:txBody>
+      </p:sp>
+      <p:sp>
+        <p:nvSpPr>
+          <p:cNvPr id="3" name="Content Placeholder 2">
+            <a:extLst>
+              <a:ext uri="{FF2B5EF4-FFF2-40B4-BE49-F238E27FC236}">
+                <a16:creationId xmlns:a16="http://schemas.microsoft.com/office/drawing/2014/main" id="{CEAD1E07-DCDD-4C9D-AF4F-0FA36322BE5B}"/>
+              </a:ext>
+            </a:extLst>
+          </p:cNvPr>
+          <p:cNvSpPr>
+            <a:spLocks noGrp="1"/>
+          </p:cNvSpPr>
+          <p:nvPr>
+            <p:ph idx="1"/>
+          </p:nvPr>
+        </p:nvSpPr>
+        <p:spPr/>
+        <p:txBody>
+          <a:bodyPr/>
+          <a:lstStyle/>
+          <a:p>
+            <a:endParaRPr lang="en-CA"/>
+          </a:p>
+        </p:txBody>
+      </p:sp>
+    </p:spTree>
+    <p:extLst>
+      <p:ext uri="{BB962C8B-B14F-4D97-AF65-F5344CB8AC3E}">
+        <p14:creationId xmlns:p14="http://schemas.microsoft.com/office/powerpoint/2010/main" val="1995599179"/>
+      </p:ext>
+    </p:extLst>
+  </p:cSld>
+  <p:clrMapOvr>
+    <a:masterClrMapping/>
+  </p:clrMapOvr>
+</p:sld>
+</file>
+
+<file path=ppt/slides/slide7.xml><?xml version="1.0" encoding="utf-8"?>
+<p:sld xmlns:a="http://schemas.openxmlformats.org/drawingml/2006/main" xmlns:r="http://schemas.openxmlformats.org/officeDocument/2006/relationships" xmlns:p="http://schemas.openxmlformats.org/presentationml/2006/main">
+  <p:cSld>
+    <p:spTree>
+      <p:nvGrpSpPr>
+        <p:cNvPr id="1" name=""/>
+        <p:cNvGrpSpPr/>
+        <p:nvPr/>
+      </p:nvGrpSpPr>
+      <p:grpSpPr>
+        <a:xfrm>
+          <a:off x="0" y="0"/>
+          <a:ext cx="0" cy="0"/>
+          <a:chOff x="0" y="0"/>
+          <a:chExt cx="0" cy="0"/>
+        </a:xfrm>
+      </p:grpSpPr>
+      <p:sp>
+        <p:nvSpPr>
+          <p:cNvPr id="2" name="Title 1">
+            <a:extLst>
+              <a:ext uri="{FF2B5EF4-FFF2-40B4-BE49-F238E27FC236}">
+                <a16:creationId xmlns:a16="http://schemas.microsoft.com/office/drawing/2014/main" id="{E2D009DD-6196-40AE-B97F-0B552D594AD2}"/>
+              </a:ext>
+            </a:extLst>
+          </p:cNvPr>
+          <p:cNvSpPr>
+            <a:spLocks noGrp="1"/>
+          </p:cNvSpPr>
+          <p:nvPr>
+            <p:ph type="title"/>
+          </p:nvPr>
+        </p:nvSpPr>
+        <p:spPr/>
+        <p:txBody>
+          <a:bodyPr/>
+          <a:lstStyle/>
+          <a:p>
+            <a:r>
+              <a:rPr lang="en-US" altLang="en-US" dirty="0"/>
+              <a:t>Future state VSM</a:t>
+            </a:r>
+            <a:endParaRPr lang="en-CA" dirty="0"/>
+          </a:p>
+        </p:txBody>
+      </p:sp>
+      <p:sp>
+        <p:nvSpPr>
+          <p:cNvPr id="3" name="Content Placeholder 2">
+            <a:extLst>
+              <a:ext uri="{FF2B5EF4-FFF2-40B4-BE49-F238E27FC236}">
+                <a16:creationId xmlns:a16="http://schemas.microsoft.com/office/drawing/2014/main" id="{5E8A01EB-2E55-4294-B6AB-BA9FE4AE1E94}"/>
+              </a:ext>
+            </a:extLst>
+          </p:cNvPr>
+          <p:cNvSpPr>
+            <a:spLocks noGrp="1"/>
+          </p:cNvSpPr>
+          <p:nvPr>
+            <p:ph idx="1"/>
+          </p:nvPr>
+        </p:nvSpPr>
+        <p:spPr/>
+        <p:txBody>
+          <a:bodyPr/>
+          <a:lstStyle/>
+          <a:p>
+            <a:r>
+              <a:rPr lang="en-US" altLang="en-US" dirty="0"/>
+              <a:t>Display your completed future state VSM</a:t>
+            </a:r>
+          </a:p>
+          <a:p>
+            <a:r>
+              <a:rPr lang="en-US" altLang="en-US" dirty="0"/>
+              <a:t>Emphasize the differences from the current state VSM</a:t>
+            </a:r>
+          </a:p>
+          <a:p>
+            <a:r>
+              <a:rPr lang="en-US" altLang="en-US" dirty="0"/>
+              <a:t>Share reasons for choosing areas to improve</a:t>
+            </a:r>
+            <a:endParaRPr lang="en-CA" altLang="en-US" dirty="0"/>
+          </a:p>
+          <a:p>
+            <a:endParaRPr lang="en-CA" dirty="0"/>
+          </a:p>
+        </p:txBody>
+      </p:sp>
+    </p:spTree>
+    <p:extLst>
+      <p:ext uri="{BB962C8B-B14F-4D97-AF65-F5344CB8AC3E}">
+        <p14:creationId xmlns:p14="http://schemas.microsoft.com/office/powerpoint/2010/main" val="2231105079"/>
+      </p:ext>
+    </p:extLst>
+  </p:cSld>
+  <p:clrMapOvr>
+    <a:masterClrMapping/>
+  </p:clrMapOvr>
+</p:sld>
+</file>
+
+<file path=ppt/slides/slide8.xml><?xml version="1.0" encoding="utf-8"?>
 <p:sld xmlns:a="http://schemas.openxmlformats.org/drawingml/2006/main" xmlns:r="http://schemas.openxmlformats.org/officeDocument/2006/relationships" xmlns:p="http://schemas.openxmlformats.org/presentationml/2006/main">
   <p:cSld>
     <p:spTree>
@@ -13023,7 +13188,7 @@
         <p:spPr/>
         <p:txBody>
           <a:bodyPr>
-            <a:normAutofit fontScale="85000" lnSpcReduction="10000"/>
+            <a:normAutofit fontScale="85000" lnSpcReduction="20000"/>
           </a:bodyPr>
           <a:lstStyle/>
           <a:p>
@@ -13041,7 +13206,15 @@
             </a:pPr>
             <a:r>
               <a:rPr lang="en-US" dirty="0"/>
-              <a:t>[Response here]</a:t>
+              <a:t>It was good, </a:t>
+            </a:r>
+            <a:r>
+              <a:rPr lang="en-US" dirty="0" err="1"/>
+              <a:t>smartdraw</a:t>
+            </a:r>
+            <a:r>
+              <a:rPr lang="en-US" dirty="0"/>
+              <a:t> sucks</a:t>
             </a:r>
           </a:p>
           <a:p>
@@ -13059,8 +13232,22 @@
             </a:pPr>
             <a:r>
               <a:rPr lang="en-US" dirty="0"/>
-              <a:t>[Response here]</a:t>
+              <a:t>We learned how to create idea sheets</a:t>
             </a:r>
+          </a:p>
+          <a:p>
+            <a:pPr lvl="1">
+              <a:defRPr/>
+            </a:pPr>
+            <a:r>
+              <a:rPr lang="en-US" dirty="0"/>
+              <a:t>Learned how to draw stick people </a:t>
+            </a:r>
+            <a:r>
+              <a:rPr lang="en-US" dirty="0" err="1"/>
+              <a:t>lolz</a:t>
+            </a:r>
+            <a:endParaRPr lang="en-US" dirty="0"/>
           </a:p>
           <a:p>
             <a:pPr>
@@ -13077,7 +13264,7 @@
             </a:pPr>
             <a:r>
               <a:rPr lang="en-US" dirty="0"/>
-              <a:t>[Response here]</a:t>
+              <a:t>We will use our future state diagram for milestone 3</a:t>
             </a:r>
           </a:p>
           <a:p>
@@ -13094,10 +13281,9 @@
               <a:defRPr/>
             </a:pPr>
             <a:r>
-              <a:rPr lang="en-US" dirty="0"/>
-              <a:t>[Response here]</a:t>
+              <a:rPr lang="en-CA" dirty="0"/>
+              <a:t>Stick people!!!!!!!</a:t>
             </a:r>
-            <a:endParaRPr lang="en-CA" dirty="0"/>
           </a:p>
         </p:txBody>
       </p:sp>
